--- a/ProjectProposal.pptx
+++ b/ProjectProposal.pptx
@@ -10128,7 +10128,7 @@
           <a:p>
             <a:fld id="{EA0C0817-A112-4847-8014-A94B7D2A4EA3}" type="datetime1">
               <a:rPr lang="en-US" smtClean="0"/>
-              <a:t>2/25/2020</a:t>
+              <a:t>3/3/2020</a:t>
             </a:fld>
             <a:endParaRPr lang="en-US" dirty="0"/>
           </a:p>
@@ -10330,7 +10330,7 @@
           <a:p>
             <a:fld id="{134F40B7-36AB-4376-BE14-EF7004D79BB9}" type="datetime1">
               <a:rPr lang="en-US" smtClean="0"/>
-              <a:t>2/25/2020</a:t>
+              <a:t>3/3/2020</a:t>
             </a:fld>
             <a:endParaRPr lang="en-US"/>
           </a:p>
@@ -10510,7 +10510,7 @@
           <a:p>
             <a:fld id="{FF87CAB8-DCAE-46A5-AADA-B3FAD11A54E0}" type="datetime1">
               <a:rPr lang="en-US" smtClean="0"/>
-              <a:t>2/25/2020</a:t>
+              <a:t>3/3/2020</a:t>
             </a:fld>
             <a:endParaRPr lang="en-US"/>
           </a:p>
@@ -10680,7 +10680,7 @@
           <a:p>
             <a:fld id="{7332B432-ACDA-4023-A761-2BAB76577B62}" type="datetime1">
               <a:rPr lang="en-US" smtClean="0"/>
-              <a:t>2/25/2020</a:t>
+              <a:t>3/3/2020</a:t>
             </a:fld>
             <a:endParaRPr lang="en-US"/>
           </a:p>
@@ -11279,7 +11279,7 @@
           <a:p>
             <a:fld id="{D9C646AA-F36E-4540-911D-FFFC0A0EF24A}" type="datetime1">
               <a:rPr lang="en-US" smtClean="0"/>
-              <a:t>2/25/2020</a:t>
+              <a:t>3/3/2020</a:t>
             </a:fld>
             <a:endParaRPr lang="en-US" dirty="0"/>
           </a:p>
@@ -11599,7 +11599,7 @@
           <a:p>
             <a:fld id="{69186D26-FA5F-4637-B602-B7C2DC34CFD4}" type="datetime1">
               <a:rPr lang="en-US" smtClean="0"/>
-              <a:t>2/25/2020</a:t>
+              <a:t>3/3/2020</a:t>
             </a:fld>
             <a:endParaRPr lang="en-US"/>
           </a:p>
@@ -12036,7 +12036,7 @@
           <a:p>
             <a:fld id="{8A7F15D8-96D1-4781-BC50-CA8A088B2FE4}" type="datetime1">
               <a:rPr lang="en-US" smtClean="0"/>
-              <a:t>2/25/2020</a:t>
+              <a:t>3/3/2020</a:t>
             </a:fld>
             <a:endParaRPr lang="en-US"/>
           </a:p>
@@ -12154,7 +12154,7 @@
           <a:p>
             <a:fld id="{F9A96C99-B8F8-4528-BD05-0E16E943DC09}" type="datetime1">
               <a:rPr lang="en-US" smtClean="0"/>
-              <a:t>2/25/2020</a:t>
+              <a:t>3/3/2020</a:t>
             </a:fld>
             <a:endParaRPr lang="en-US"/>
           </a:p>
@@ -12249,7 +12249,7 @@
           <a:p>
             <a:fld id="{03636942-C211-4B28-8DBD-C953E00AF71B}" type="datetime1">
               <a:rPr lang="en-US" smtClean="0"/>
-              <a:t>2/25/2020</a:t>
+              <a:t>3/3/2020</a:t>
             </a:fld>
             <a:endParaRPr lang="en-US"/>
           </a:p>
@@ -12666,7 +12666,7 @@
           <a:p>
             <a:fld id="{7E8D12A6-918A-48BD-8CB9-CA713993B0EA}" type="datetime1">
               <a:rPr lang="en-US" smtClean="0"/>
-              <a:t>2/25/2020</a:t>
+              <a:t>3/3/2020</a:t>
             </a:fld>
             <a:endParaRPr lang="en-US"/>
           </a:p>
@@ -12928,7 +12928,7 @@
             <a:fld id="{E778CE86-875F-4587-BCF6-FA054AFC0D53}" type="datetime1">
               <a:rPr lang="en-US" smtClean="0"/>
               <a:pPr/>
-              <a:t>2/25/2020</a:t>
+              <a:t>3/3/2020</a:t>
             </a:fld>
             <a:endParaRPr lang="en-US" dirty="0"/>
           </a:p>
@@ -13444,7 +13444,7 @@
           <a:p>
             <a:fld id="{F6FA2B21-3FCD-4721-B95C-427943F61125}" type="datetime1">
               <a:rPr lang="en-US" smtClean="0"/>
-              <a:t>2/25/2020</a:t>
+              <a:t>3/3/2020</a:t>
             </a:fld>
             <a:endParaRPr lang="en-US"/>
           </a:p>
@@ -14809,7 +14809,7 @@
         </p:blipFill>
         <p:spPr bwMode="auto">
           <a:xfrm>
-            <a:off x="1614487" y="2646859"/>
+            <a:off x="1614487" y="2655248"/>
             <a:ext cx="8963025" cy="3057525"/>
           </a:xfrm>
           <a:prstGeom prst="rect">
@@ -14827,6 +14827,44 @@
           </a:extLst>
         </p:spPr>
       </p:pic>
+      <p:sp>
+        <p:nvSpPr>
+          <p:cNvPr id="3" name="TextBox 2">
+            <a:extLst>
+              <a:ext uri="{FF2B5EF4-FFF2-40B4-BE49-F238E27FC236}">
+                <a16:creationId xmlns:a16="http://schemas.microsoft.com/office/drawing/2014/main" id="{1C695772-F325-47DB-B603-A62193C5F7ED}"/>
+              </a:ext>
+            </a:extLst>
+          </p:cNvPr>
+          <p:cNvSpPr txBox="1"/>
+          <p:nvPr/>
+        </p:nvSpPr>
+        <p:spPr>
+          <a:xfrm>
+            <a:off x="3476531" y="5846074"/>
+            <a:ext cx="5238935" cy="369332"/>
+          </a:xfrm>
+          <a:prstGeom prst="rect">
+            <a:avLst/>
+          </a:prstGeom>
+          <a:noFill/>
+        </p:spPr>
+        <p:txBody>
+          <a:bodyPr wrap="none" rtlCol="0">
+            <a:spAutoFit/>
+          </a:bodyPr>
+          <a:lstStyle/>
+          <a:p>
+            <a:r>
+              <a:rPr lang="en-US" dirty="0">
+                <a:hlinkClick r:id="rId3"/>
+              </a:rPr>
+              <a:t>http://openaccess.thecvf.com/CVPR2019.py</a:t>
+            </a:r>
+            <a:endParaRPr lang="en-US" dirty="0"/>
+          </a:p>
+        </p:txBody>
+      </p:sp>
     </p:spTree>
     <p:extLst>
       <p:ext uri="{BB962C8B-B14F-4D97-AF65-F5344CB8AC3E}">
